--- a/TicTacToeProlog.pptx
+++ b/TicTacToeProlog.pptx
@@ -266,7 +266,7 @@
           <a:p>
             <a:fld id="{62FA873E-7B52-4767-9A1E-744A65228740}" type="datetimeFigureOut">
               <a:rPr lang="en-US" smtClean="0"/>
-              <a:t>5/20/2019</a:t>
+              <a:t>5/21/2019</a:t>
             </a:fld>
             <a:endParaRPr lang="en-US"/>
           </a:p>
@@ -464,7 +464,7 @@
           <a:p>
             <a:fld id="{62FA873E-7B52-4767-9A1E-744A65228740}" type="datetimeFigureOut">
               <a:rPr lang="en-US" smtClean="0"/>
-              <a:t>5/20/2019</a:t>
+              <a:t>5/21/2019</a:t>
             </a:fld>
             <a:endParaRPr lang="en-US"/>
           </a:p>
@@ -672,7 +672,7 @@
           <a:p>
             <a:fld id="{62FA873E-7B52-4767-9A1E-744A65228740}" type="datetimeFigureOut">
               <a:rPr lang="en-US" smtClean="0"/>
-              <a:t>5/20/2019</a:t>
+              <a:t>5/21/2019</a:t>
             </a:fld>
             <a:endParaRPr lang="en-US"/>
           </a:p>
@@ -870,7 +870,7 @@
           <a:p>
             <a:fld id="{62FA873E-7B52-4767-9A1E-744A65228740}" type="datetimeFigureOut">
               <a:rPr lang="en-US" smtClean="0"/>
-              <a:t>5/20/2019</a:t>
+              <a:t>5/21/2019</a:t>
             </a:fld>
             <a:endParaRPr lang="en-US"/>
           </a:p>
@@ -1145,7 +1145,7 @@
           <a:p>
             <a:fld id="{62FA873E-7B52-4767-9A1E-744A65228740}" type="datetimeFigureOut">
               <a:rPr lang="en-US" smtClean="0"/>
-              <a:t>5/20/2019</a:t>
+              <a:t>5/21/2019</a:t>
             </a:fld>
             <a:endParaRPr lang="en-US"/>
           </a:p>
@@ -1410,7 +1410,7 @@
           <a:p>
             <a:fld id="{62FA873E-7B52-4767-9A1E-744A65228740}" type="datetimeFigureOut">
               <a:rPr lang="en-US" smtClean="0"/>
-              <a:t>5/20/2019</a:t>
+              <a:t>5/21/2019</a:t>
             </a:fld>
             <a:endParaRPr lang="en-US"/>
           </a:p>
@@ -1822,7 +1822,7 @@
           <a:p>
             <a:fld id="{62FA873E-7B52-4767-9A1E-744A65228740}" type="datetimeFigureOut">
               <a:rPr lang="en-US" smtClean="0"/>
-              <a:t>5/20/2019</a:t>
+              <a:t>5/21/2019</a:t>
             </a:fld>
             <a:endParaRPr lang="en-US"/>
           </a:p>
@@ -1963,7 +1963,7 @@
           <a:p>
             <a:fld id="{62FA873E-7B52-4767-9A1E-744A65228740}" type="datetimeFigureOut">
               <a:rPr lang="en-US" smtClean="0"/>
-              <a:t>5/20/2019</a:t>
+              <a:t>5/21/2019</a:t>
             </a:fld>
             <a:endParaRPr lang="en-US"/>
           </a:p>
@@ -2076,7 +2076,7 @@
           <a:p>
             <a:fld id="{62FA873E-7B52-4767-9A1E-744A65228740}" type="datetimeFigureOut">
               <a:rPr lang="en-US" smtClean="0"/>
-              <a:t>5/20/2019</a:t>
+              <a:t>5/21/2019</a:t>
             </a:fld>
             <a:endParaRPr lang="en-US"/>
           </a:p>
@@ -2387,7 +2387,7 @@
           <a:p>
             <a:fld id="{62FA873E-7B52-4767-9A1E-744A65228740}" type="datetimeFigureOut">
               <a:rPr lang="en-US" smtClean="0"/>
-              <a:t>5/20/2019</a:t>
+              <a:t>5/21/2019</a:t>
             </a:fld>
             <a:endParaRPr lang="en-US"/>
           </a:p>
@@ -2675,7 +2675,7 @@
           <a:p>
             <a:fld id="{62FA873E-7B52-4767-9A1E-744A65228740}" type="datetimeFigureOut">
               <a:rPr lang="en-US" smtClean="0"/>
-              <a:t>5/20/2019</a:t>
+              <a:t>5/21/2019</a:t>
             </a:fld>
             <a:endParaRPr lang="en-US"/>
           </a:p>
@@ -2916,7 +2916,7 @@
           <a:p>
             <a:fld id="{62FA873E-7B52-4767-9A1E-744A65228740}" type="datetimeFigureOut">
               <a:rPr lang="en-US" smtClean="0"/>
-              <a:t>5/20/2019</a:t>
+              <a:t>5/21/2019</a:t>
             </a:fld>
             <a:endParaRPr lang="en-US"/>
           </a:p>
@@ -7578,8 +7578,8 @@
         </p:nvSpPr>
         <p:spPr>
           <a:xfrm>
-            <a:off x="2927350" y="1690689"/>
-            <a:ext cx="5175250" cy="4608512"/>
+            <a:off x="2927350" y="1472373"/>
+            <a:ext cx="5175250" cy="5041416"/>
           </a:xfrm>
           <a:prstGeom prst="rect">
             <a:avLst/>
@@ -7625,6 +7625,15 @@
           <a:p>
             <a:pPr lvl="1"/>
             <a:r>
+              <a:rPr lang="en-US" dirty="0">
+                <a:latin typeface="Lucida Console" panose="020B0609040504020204" pitchFamily="49" charset="0"/>
+              </a:rPr>
+              <a:t>A \== state,</a:t>
+            </a:r>
+          </a:p>
+          <a:p>
+            <a:pPr lvl="1"/>
+            <a:r>
               <a:rPr lang="en-US" dirty="0" err="1">
                 <a:latin typeface="Lucida Console" panose="020B0609040504020204" pitchFamily="49" charset="0"/>
               </a:rPr>
@@ -7696,6 +7705,15 @@
                 <a:latin typeface="Lucida Console" panose="020B0609040504020204" pitchFamily="49" charset="0"/>
               </a:rPr>
               <a:t>(A):-</a:t>
+            </a:r>
+          </a:p>
+          <a:p>
+            <a:pPr lvl="1"/>
+            <a:r>
+              <a:rPr lang="en-US" dirty="0">
+                <a:latin typeface="Lucida Console" panose="020B0609040504020204" pitchFamily="49" charset="0"/>
+              </a:rPr>
+              <a:t>A \== state,</a:t>
             </a:r>
           </a:p>
           <a:p>
